--- a/slack/slack.pptx
+++ b/slack/slack.pptx
@@ -218,7 +218,7 @@
           </a:lstStyle>
           <a:p>
             <a:fld id="{6B8D1B20-A248-FB47-8240-73C0C5F47C9D}" type="datetimeFigureOut">
-              <a:t>2024/1/11</a:t>
+              <a:t>2024/1/12</a:t>
             </a:fld>
             <a:endParaRPr kumimoji="1" lang="ja-JP" altLang="en-US"/>
           </a:p>
@@ -2106,7 +2106,7 @@
         </p:blipFill>
         <p:spPr>
           <a:xfrm>
-            <a:off x="611560" y="4332292"/>
+            <a:off x="611560" y="4221088"/>
             <a:ext cx="457240" cy="464860"/>
           </a:xfrm>
           <a:prstGeom prst="rect">
@@ -2128,7 +2128,7 @@
         </p:nvSpPr>
         <p:spPr>
           <a:xfrm>
-            <a:off x="1331640" y="4365104"/>
+            <a:off x="1331640" y="4253900"/>
             <a:ext cx="6994222" cy="369332"/>
           </a:xfrm>
           <a:prstGeom prst="rect">
@@ -2253,7 +2253,7 @@
         </p:blipFill>
         <p:spPr>
           <a:xfrm>
-            <a:off x="611560" y="5013176"/>
+            <a:off x="611560" y="4901972"/>
             <a:ext cx="449619" cy="457240"/>
           </a:xfrm>
           <a:prstGeom prst="rect">
@@ -2275,7 +2275,7 @@
         </p:nvSpPr>
         <p:spPr>
           <a:xfrm>
-            <a:off x="1331640" y="5013176"/>
+            <a:off x="1331640" y="4901972"/>
             <a:ext cx="7109639" cy="369332"/>
           </a:xfrm>
           <a:prstGeom prst="rect">
@@ -2327,7 +2327,7 @@
         </p:blipFill>
         <p:spPr>
           <a:xfrm>
-            <a:off x="611560" y="5805264"/>
+            <a:off x="611560" y="5550044"/>
             <a:ext cx="449619" cy="449619"/>
           </a:xfrm>
           <a:prstGeom prst="rect">
@@ -2349,7 +2349,7 @@
         </p:nvSpPr>
         <p:spPr>
           <a:xfrm>
-            <a:off x="1331640" y="5733256"/>
+            <a:off x="1331640" y="5478036"/>
             <a:ext cx="6981398" cy="646331"/>
           </a:xfrm>
           <a:prstGeom prst="rect">
@@ -2983,7 +2983,7 @@
         <p:spPr>
           <a:xfrm>
             <a:off x="755576" y="5733256"/>
-            <a:ext cx="7632848" cy="923330"/>
+            <a:ext cx="8136904" cy="646331"/>
           </a:xfrm>
           <a:prstGeom prst="rect">
             <a:avLst/>
@@ -4840,27 +4840,19 @@
                   <a:srgbClr val="FF0000"/>
                 </a:solidFill>
               </a:rPr>
-              <a:t>チャンネルも覗いて良い</a:t>
+              <a:t>チャンネルを覗いて良い</a:t>
             </a:r>
             <a:r>
               <a:rPr kumimoji="1" lang="ja-JP" altLang="en-US" sz="2400" dirty="0"/>
-              <a:t>。</a:t>
-            </a:r>
-            <a:r>
-              <a:rPr kumimoji="1" lang="ja-JP" altLang="en-US" sz="2400"/>
-              <a:t>論文や発表</a:t>
-            </a:r>
-            <a:r>
-              <a:rPr lang="ja-JP" altLang="en-US" sz="2400"/>
+              <a:t>。論文や発表</a:t>
+            </a:r>
+            <a:r>
+              <a:rPr lang="ja-JP" altLang="en-US" sz="2400" dirty="0"/>
               <a:t>スライド</a:t>
             </a:r>
             <a:r>
-              <a:rPr kumimoji="1" lang="ja-JP" altLang="en-US" sz="2400"/>
-              <a:t>の</a:t>
-            </a:r>
-            <a:r>
               <a:rPr kumimoji="1" lang="ja-JP" altLang="en-US" sz="2400" dirty="0"/>
-              <a:t>添削もここで行う。</a:t>
+              <a:t>の添削もここで行う。</a:t>
             </a:r>
             <a:endParaRPr kumimoji="1" lang="en-US" altLang="ja-JP" sz="2400" dirty="0"/>
           </a:p>
@@ -4974,8 +4966,8 @@
         </p:nvSpPr>
         <p:spPr>
           <a:xfrm>
-            <a:off x="467544" y="5661248"/>
-            <a:ext cx="7109639" cy="646331"/>
+            <a:off x="323528" y="5589240"/>
+            <a:ext cx="7109639" cy="923330"/>
           </a:xfrm>
           <a:prstGeom prst="rect">
             <a:avLst/>
@@ -4988,16 +4980,43 @@
           </a:bodyPr>
           <a:lstStyle/>
           <a:p>
+            <a:pPr marL="285750" indent="-285750">
+              <a:buFont typeface="Arial" panose="020B0604020202020204" pitchFamily="34" charset="0"/>
+              <a:buChar char="•"/>
+            </a:pPr>
             <a:r>
               <a:rPr lang="ja-JP" altLang="en-US" dirty="0"/>
-              <a:t>研究室で渡辺と学生さんが話しているのが聞こえてくるイメージ。</a:t>
+              <a:t>研究室で渡辺と学生さんが話しているのが聞こえてくるイメージ</a:t>
             </a:r>
             <a:endParaRPr lang="en-US" altLang="ja-JP" dirty="0"/>
           </a:p>
           <a:p>
+            <a:pPr marL="285750" indent="-285750">
+              <a:buFont typeface="Arial" panose="020B0604020202020204" pitchFamily="34" charset="0"/>
+              <a:buChar char="•"/>
+            </a:pPr>
             <a:r>
               <a:rPr lang="ja-JP" altLang="en-US" dirty="0"/>
-              <a:t>やりとりは原則として公開。</a:t>
+              <a:t>やりとりは原則として公開</a:t>
+            </a:r>
+            <a:endParaRPr lang="en-US" altLang="ja-JP" dirty="0"/>
+          </a:p>
+          <a:p>
+            <a:pPr marL="285750" indent="-285750">
+              <a:buFont typeface="Arial" panose="020B0604020202020204" pitchFamily="34" charset="0"/>
+              <a:buChar char="•"/>
+            </a:pPr>
+            <a:r>
+              <a:rPr lang="ja-JP" altLang="en-US" dirty="0"/>
+              <a:t>先輩の</a:t>
+            </a:r>
+            <a:r>
+              <a:rPr lang="en-US" altLang="ja-JP" dirty="0"/>
+              <a:t>z-</a:t>
+            </a:r>
+            <a:r>
+              <a:rPr lang="ja-JP" altLang="en-US" dirty="0"/>
+              <a:t>チャンネルは参考になるかも</a:t>
             </a:r>
             <a:endParaRPr lang="en-US" altLang="ja-JP" dirty="0"/>
           </a:p>

--- a/slack/slack.pptx
+++ b/slack/slack.pptx
@@ -218,7 +218,7 @@
           </a:lstStyle>
           <a:p>
             <a:fld id="{6B8D1B20-A248-FB47-8240-73C0C5F47C9D}" type="datetimeFigureOut">
-              <a:t>2024/1/12</a:t>
+              <a:t>2025/1/9</a:t>
             </a:fld>
             <a:endParaRPr kumimoji="1" lang="ja-JP" altLang="en-US"/>
           </a:p>
@@ -1484,8 +1484,8 @@
           <a:lstStyle/>
           <a:p>
             <a:r>
-              <a:rPr kumimoji="1" lang="en-US" altLang="ja-JP" sz="4000"/>
-              <a:t>2024/01/12</a:t>
+              <a:rPr kumimoji="1" lang="en-US" altLang="ja-JP" sz="4000" dirty="0"/>
+              <a:t>2025/01/09</a:t>
             </a:r>
             <a:endParaRPr kumimoji="1" lang="ja-JP" altLang="en-US" sz="4000" dirty="0"/>
           </a:p>
@@ -2074,11 +2074,7 @@
           <a:p>
             <a:r>
               <a:rPr lang="ja-JP" altLang="en-US" dirty="0"/>
-              <a:t>もう少し後で返事をする的</a:t>
-            </a:r>
-            <a:r>
-              <a:rPr lang="ja-JP" altLang="en-US"/>
-              <a:t>な意味で使うことが多い。</a:t>
+              <a:t>もう少し後で返事をする的な意味で使うことが多い。</a:t>
             </a:r>
             <a:endParaRPr kumimoji="1" lang="ja-JP" altLang="en-US" dirty="0"/>
           </a:p>
@@ -2217,16 +2213,52 @@
           <a:lstStyle/>
           <a:p>
             <a:r>
+              <a:rPr lang="ja-JP" altLang="en-US" dirty="0"/>
+              <a:t>見た、</a:t>
+            </a:r>
+            <a:r>
+              <a:rPr kumimoji="1" lang="ja-JP" altLang="en-US" dirty="0"/>
+              <a:t>読んでいる、という意味。渡辺は</a:t>
+            </a:r>
+            <a:r>
+              <a:rPr lang="ja-JP" altLang="en-US" dirty="0"/>
+              <a:t>例えば</a:t>
+            </a:r>
+            <a:r>
+              <a:rPr kumimoji="1" lang="ja-JP" altLang="en-US" dirty="0"/>
+              <a:t>添削</a:t>
+            </a:r>
+            <a:r>
+              <a:rPr kumimoji="1" lang="ja-JP" altLang="en-US"/>
+              <a:t>依頼</a:t>
+            </a:r>
+            <a:r>
               <a:rPr lang="ja-JP" altLang="en-US"/>
-              <a:t>見た、</a:t>
+              <a:t>などに</a:t>
             </a:r>
             <a:r>
               <a:rPr kumimoji="1" lang="ja-JP" altLang="en-US"/>
-              <a:t>読んで</a:t>
+              <a:t>「</a:t>
             </a:r>
             <a:r>
               <a:rPr kumimoji="1" lang="ja-JP" altLang="en-US" dirty="0"/>
-              <a:t>いる、という意味。渡辺は添削依頼について「後で見て返事します」の意味で使う。</a:t>
+              <a:t>後で見て返事します</a:t>
+            </a:r>
+            <a:r>
+              <a:rPr kumimoji="1" lang="en-US" altLang="ja-JP" dirty="0"/>
+              <a:t>(</a:t>
+            </a:r>
+            <a:r>
+              <a:rPr kumimoji="1" lang="ja-JP" altLang="en-US" dirty="0"/>
+              <a:t>対応中</a:t>
+            </a:r>
+            <a:r>
+              <a:rPr kumimoji="1" lang="en-US" altLang="ja-JP" dirty="0"/>
+              <a:t>)</a:t>
+            </a:r>
+            <a:r>
+              <a:rPr kumimoji="1" lang="ja-JP" altLang="en-US" dirty="0"/>
+              <a:t>」の意味で使う。</a:t>
             </a:r>
           </a:p>
         </p:txBody>
@@ -2291,14 +2323,10 @@
           <a:p>
             <a:r>
               <a:rPr kumimoji="1" lang="ja-JP" altLang="en-US" dirty="0"/>
-              <a:t>励まし。渡辺は主に「がんばってね」の意味で会話の最後</a:t>
-            </a:r>
-            <a:r>
-              <a:rPr kumimoji="1" lang="ja-JP" altLang="en-US"/>
-              <a:t>に使う</a:t>
-            </a:r>
-            <a:r>
-              <a:rPr lang="ja-JP" altLang="en-US"/>
+              <a:t>励まし。渡辺は主に「がんばってね」の意味で会話の最後に使う</a:t>
+            </a:r>
+            <a:r>
+              <a:rPr lang="ja-JP" altLang="en-US" dirty="0"/>
               <a:t>。</a:t>
             </a:r>
             <a:endParaRPr kumimoji="1" lang="ja-JP" altLang="en-US" dirty="0"/>
@@ -4225,7 +4253,7 @@
               <a:rPr lang="ja-JP" altLang="en-US" sz="2000" dirty="0"/>
               <a:t>。</a:t>
             </a:r>
-            <a:endParaRPr kumimoji="1" lang="ja-JP" altLang="en-US" sz="2000" dirty="0"/>
+            <a:endParaRPr lang="en-US" altLang="ja-JP" sz="2000" dirty="0"/>
           </a:p>
         </p:txBody>
       </p:sp>
@@ -4667,6 +4695,54 @@
               <a:t>というのがあるそうです）を使うのかなという感じがしています。何かおすすめの方法はありますか？</a:t>
             </a:r>
             <a:endParaRPr lang="ja-JP" altLang="en-US" dirty="0"/>
+          </a:p>
+        </p:txBody>
+      </p:sp>
+      <p:sp>
+        <p:nvSpPr>
+          <p:cNvPr id="5" name="テキスト ボックス 4">
+            <a:extLst>
+              <a:ext uri="{FF2B5EF4-FFF2-40B4-BE49-F238E27FC236}">
+                <a16:creationId xmlns:a16="http://schemas.microsoft.com/office/drawing/2014/main" id="{23825E8A-BB78-5713-7EFD-117CA2EAAC2D}"/>
+              </a:ext>
+            </a:extLst>
+          </p:cNvPr>
+          <p:cNvSpPr txBox="1"/>
+          <p:nvPr/>
+        </p:nvSpPr>
+        <p:spPr>
+          <a:xfrm>
+            <a:off x="5364088" y="332656"/>
+            <a:ext cx="3416320" cy="369332"/>
+          </a:xfrm>
+          <a:prstGeom prst="rect">
+            <a:avLst/>
+          </a:prstGeom>
+          <a:noFill/>
+        </p:spPr>
+        <p:txBody>
+          <a:bodyPr wrap="none" rtlCol="0">
+            <a:spAutoFit/>
+          </a:bodyPr>
+          <a:lstStyle/>
+          <a:p>
+            <a:r>
+              <a:rPr lang="ja-JP" altLang="en-US" dirty="0">
+                <a:solidFill>
+                  <a:schemeClr val="bg1">
+                    <a:lumMod val="75000"/>
+                  </a:schemeClr>
+                </a:solidFill>
+              </a:rPr>
+              <a:t>最近あまり使われてない・・・</a:t>
+            </a:r>
+            <a:endParaRPr kumimoji="1" lang="ja-JP" altLang="en-US" dirty="0">
+              <a:solidFill>
+                <a:schemeClr val="bg1">
+                  <a:lumMod val="75000"/>
+                </a:schemeClr>
+              </a:solidFill>
+            </a:endParaRPr>
           </a:p>
         </p:txBody>
       </p:sp>
@@ -5184,12 +5260,8 @@
               <a:buChar char="•"/>
             </a:pPr>
             <a:r>
-              <a:rPr lang="ja-JP" altLang="en-US" sz="2400"/>
-              <a:t>デフォルト</a:t>
-            </a:r>
-            <a:r>
               <a:rPr lang="ja-JP" altLang="en-US" sz="2400" dirty="0"/>
-              <a:t>ではメール通知が飛ぶ</a:t>
+              <a:t>デフォルトではメール通知が飛ぶ</a:t>
             </a:r>
             <a:endParaRPr lang="en-US" altLang="ja-JP" sz="2400" dirty="0"/>
           </a:p>
@@ -5199,10 +5271,10 @@
               <a:buChar char="•"/>
             </a:pPr>
             <a:r>
-              <a:rPr lang="ja-JP" altLang="en-US" sz="2400"/>
+              <a:rPr lang="ja-JP" altLang="en-US" sz="2400" dirty="0"/>
               <a:t>通知をどのように受け取るかは各自設定すること</a:t>
             </a:r>
-            <a:endParaRPr lang="en-US" altLang="ja-JP" sz="2400"/>
+            <a:endParaRPr lang="en-US" altLang="ja-JP" sz="2400" dirty="0"/>
           </a:p>
           <a:p>
             <a:pPr marL="285750" indent="-285750">
@@ -5210,10 +5282,10 @@
               <a:buChar char="•"/>
             </a:pPr>
             <a:r>
-              <a:rPr lang="ja-JP" altLang="en-US" sz="2400"/>
+              <a:rPr lang="ja-JP" altLang="en-US" sz="2400" dirty="0"/>
               <a:t>多人数に届くメンションは原則として使わない</a:t>
             </a:r>
-            <a:endParaRPr lang="en-US" altLang="ja-JP" sz="2400"/>
+            <a:endParaRPr lang="en-US" altLang="ja-JP" sz="2400" dirty="0"/>
           </a:p>
           <a:p>
             <a:pPr marL="742950" lvl="1" indent="-285750">
@@ -5221,23 +5293,23 @@
               <a:buChar char="•"/>
             </a:pPr>
             <a:r>
-              <a:rPr lang="ja-JP" altLang="en-US" sz="2400"/>
+              <a:rPr lang="ja-JP" altLang="en-US" sz="2400" dirty="0"/>
               <a:t>チャンネル参加者全員に届く「</a:t>
             </a:r>
             <a:r>
-              <a:rPr lang="en-US" altLang="ja-JP" sz="2400"/>
+              <a:rPr lang="en-US" altLang="ja-JP" sz="2400" dirty="0"/>
               <a:t>@channel</a:t>
             </a:r>
             <a:r>
-              <a:rPr lang="ja-JP" altLang="en-US" sz="2400"/>
+              <a:rPr lang="ja-JP" altLang="en-US" sz="2400" dirty="0"/>
               <a:t>」や、ワークスペース参加者全員に「</a:t>
             </a:r>
             <a:r>
-              <a:rPr lang="en-US" altLang="ja-JP" sz="2400"/>
+              <a:rPr lang="en-US" altLang="ja-JP" sz="2400" dirty="0"/>
               <a:t>@everyone</a:t>
             </a:r>
             <a:r>
-              <a:rPr lang="ja-JP" altLang="en-US" sz="2400"/>
+              <a:rPr lang="ja-JP" altLang="en-US" sz="2400" dirty="0"/>
               <a:t>」など</a:t>
             </a:r>
             <a:endParaRPr lang="en-US" altLang="ja-JP" sz="2400" dirty="0"/>

--- a/slack/slack.pptx
+++ b/slack/slack.pptx
@@ -5,7 +5,7 @@
     <p:sldMasterId id="2147483665" r:id="rId1"/>
   </p:sldMasterIdLst>
   <p:notesMasterIdLst>
-    <p:notesMasterId r:id="rId14"/>
+    <p:notesMasterId r:id="rId15"/>
   </p:notesMasterIdLst>
   <p:sldIdLst>
     <p:sldId id="256" r:id="rId2"/>
@@ -16,10 +16,11 @@
     <p:sldId id="327" r:id="rId7"/>
     <p:sldId id="333" r:id="rId8"/>
     <p:sldId id="328" r:id="rId9"/>
-    <p:sldId id="329" r:id="rId10"/>
-    <p:sldId id="330" r:id="rId11"/>
-    <p:sldId id="331" r:id="rId12"/>
-    <p:sldId id="332" r:id="rId13"/>
+    <p:sldId id="334" r:id="rId10"/>
+    <p:sldId id="329" r:id="rId11"/>
+    <p:sldId id="330" r:id="rId12"/>
+    <p:sldId id="331" r:id="rId13"/>
+    <p:sldId id="332" r:id="rId14"/>
   </p:sldIdLst>
   <p:sldSz cx="9144000" cy="6858000" type="screen4x3"/>
   <p:notesSz cx="6858000" cy="9144000"/>
@@ -218,7 +219,7 @@
           </a:lstStyle>
           <a:p>
             <a:fld id="{6B8D1B20-A248-FB47-8240-73C0C5F47C9D}" type="datetimeFigureOut">
-              <a:t>2025/1/9</a:t>
+              <a:t>2026/1/7</a:t>
             </a:fld>
             <a:endParaRPr kumimoji="1" lang="ja-JP" altLang="en-US"/>
           </a:p>
@@ -1485,7 +1486,7 @@
           <a:p>
             <a:r>
               <a:rPr kumimoji="1" lang="en-US" altLang="ja-JP" sz="4000" dirty="0"/>
-              <a:t>2025/01/09</a:t>
+              <a:t>2026/01/07</a:t>
             </a:r>
             <a:endParaRPr kumimoji="1" lang="ja-JP" altLang="en-US" sz="4000" dirty="0"/>
           </a:p>
@@ -1526,7 +1527,7 @@
           <p:cNvPr id="2" name="テキスト プレースホルダー 1">
             <a:extLst>
               <a:ext uri="{FF2B5EF4-FFF2-40B4-BE49-F238E27FC236}">
-                <a16:creationId xmlns:a16="http://schemas.microsoft.com/office/drawing/2014/main" id="{4CCEB916-DA3D-6DB6-D276-D484F1EAB84C}"/>
+                <a16:creationId xmlns:a16="http://schemas.microsoft.com/office/drawing/2014/main" id="{3E99EFB4-4483-C085-4D20-1E1EA2DFBDD3}"/>
               </a:ext>
             </a:extLst>
           </p:cNvPr>
@@ -1544,17 +1545,17 @@
           <a:p>
             <a:r>
               <a:rPr kumimoji="1" lang="ja-JP" altLang="en-US" dirty="0"/>
-              <a:t>渡辺への連絡について</a:t>
-            </a:r>
-          </a:p>
-        </p:txBody>
-      </p:sp>
-      <p:sp>
-        <p:nvSpPr>
-          <p:cNvPr id="3" name="テキスト ボックス 2">
-            <a:extLst>
-              <a:ext uri="{FF2B5EF4-FFF2-40B4-BE49-F238E27FC236}">
-                <a16:creationId xmlns:a16="http://schemas.microsoft.com/office/drawing/2014/main" id="{10095FB1-D083-26C1-7127-E9D42F76B232}"/>
+              <a:t>メンションについて</a:t>
+            </a:r>
+          </a:p>
+        </p:txBody>
+      </p:sp>
+      <p:sp>
+        <p:nvSpPr>
+          <p:cNvPr id="4" name="テキスト ボックス 3">
+            <a:extLst>
+              <a:ext uri="{FF2B5EF4-FFF2-40B4-BE49-F238E27FC236}">
+                <a16:creationId xmlns:a16="http://schemas.microsoft.com/office/drawing/2014/main" id="{30B03C6A-AA13-6645-CBE4-5C53D0184825}"/>
               </a:ext>
             </a:extLst>
           </p:cNvPr>
@@ -1563,54 +1564,58 @@
         </p:nvSpPr>
         <p:spPr>
           <a:xfrm>
-            <a:off x="1115616" y="1340768"/>
-            <a:ext cx="6806672" cy="523220"/>
-          </a:xfrm>
-          <a:prstGeom prst="rect">
-            <a:avLst/>
-          </a:prstGeom>
-          <a:noFill/>
-        </p:spPr>
-        <p:txBody>
-          <a:bodyPr wrap="none" rtlCol="0">
+            <a:off x="395536" y="1268760"/>
+            <a:ext cx="7848872" cy="1224136"/>
+          </a:xfrm>
+          <a:prstGeom prst="rect">
+            <a:avLst/>
+          </a:prstGeom>
+          <a:noFill/>
+        </p:spPr>
+        <p:txBody>
+          <a:bodyPr wrap="square" rtlCol="0">
             <a:spAutoFit/>
           </a:bodyPr>
           <a:lstStyle/>
           <a:p>
             <a:r>
-              <a:rPr lang="ja-JP" altLang="en-US" sz="2800" dirty="0"/>
-              <a:t>渡辺へのメンションや連絡は</a:t>
-            </a:r>
-            <a:r>
-              <a:rPr lang="ja-JP" altLang="en-US" sz="2800" dirty="0">
+              <a:rPr lang="ja-JP" altLang="en-US" sz="2400">
                 <a:solidFill>
-                  <a:srgbClr val="FF0000"/>
+                  <a:srgbClr val="00B0F0"/>
                 </a:solidFill>
               </a:rPr>
-              <a:t>いつでも</a:t>
-            </a:r>
-            <a:r>
-              <a:rPr lang="en-US" altLang="ja-JP" sz="2800" dirty="0">
-                <a:solidFill>
-                  <a:srgbClr val="FF0000"/>
-                </a:solidFill>
-              </a:rPr>
-              <a:t>OK</a:t>
-            </a:r>
-            <a:endParaRPr kumimoji="1" lang="ja-JP" altLang="en-US" sz="2800" dirty="0">
-              <a:solidFill>
-                <a:srgbClr val="FF0000"/>
-              </a:solidFill>
-            </a:endParaRPr>
-          </a:p>
-        </p:txBody>
-      </p:sp>
-      <p:sp>
-        <p:nvSpPr>
-          <p:cNvPr id="4" name="テキスト ボックス 3">
-            <a:extLst>
-              <a:ext uri="{FF2B5EF4-FFF2-40B4-BE49-F238E27FC236}">
-                <a16:creationId xmlns:a16="http://schemas.microsoft.com/office/drawing/2014/main" id="{8C24115C-2E92-5DCB-7BD2-7B94478E1D83}"/>
+              <a:t>＠渡辺宙志</a:t>
+            </a:r>
+            <a:r>
+              <a:rPr lang="ja-JP" altLang="en-US" sz="2400"/>
+              <a:t>のように</a:t>
+            </a:r>
+            <a:r>
+              <a:rPr lang="ja-JP" altLang="en-US" sz="2400" dirty="0"/>
+              <a:t>、アカウントにアットマーク「</a:t>
+            </a:r>
+            <a:r>
+              <a:rPr lang="en-US" altLang="ja-JP" sz="2400" dirty="0"/>
+              <a:t>@</a:t>
+            </a:r>
+            <a:r>
+              <a:rPr lang="ja-JP" altLang="en-US" sz="2400" dirty="0"/>
+              <a:t>」をつけると</a:t>
+            </a:r>
+            <a:r>
+              <a:rPr lang="ja-JP" altLang="en-US" sz="2400"/>
+              <a:t>メンションとなり、相手に通知が飛ぶ。これを「メンションを飛ばす」と言う。</a:t>
+            </a:r>
+            <a:endParaRPr lang="en-US" altLang="ja-JP" sz="2400"/>
+          </a:p>
+        </p:txBody>
+      </p:sp>
+      <p:sp>
+        <p:nvSpPr>
+          <p:cNvPr id="10" name="テキスト ボックス 9">
+            <a:extLst>
+              <a:ext uri="{FF2B5EF4-FFF2-40B4-BE49-F238E27FC236}">
+                <a16:creationId xmlns:a16="http://schemas.microsoft.com/office/drawing/2014/main" id="{BB1E964E-C06C-52FD-24AF-2D7745251708}"/>
               </a:ext>
             </a:extLst>
           </p:cNvPr>
@@ -1619,16 +1624,16 @@
         </p:nvSpPr>
         <p:spPr>
           <a:xfrm>
-            <a:off x="179512" y="5373216"/>
-            <a:ext cx="8744702" cy="923330"/>
-          </a:xfrm>
-          <a:prstGeom prst="rect">
-            <a:avLst/>
-          </a:prstGeom>
-          <a:noFill/>
-        </p:spPr>
-        <p:txBody>
-          <a:bodyPr wrap="none" rtlCol="0">
+            <a:off x="219520" y="2997759"/>
+            <a:ext cx="8208912" cy="1938992"/>
+          </a:xfrm>
+          <a:prstGeom prst="rect">
+            <a:avLst/>
+          </a:prstGeom>
+          <a:noFill/>
+        </p:spPr>
+        <p:txBody>
+          <a:bodyPr wrap="square" rtlCol="0">
             <a:spAutoFit/>
           </a:bodyPr>
           <a:lstStyle/>
@@ -1638,18 +1643,14 @@
               <a:buChar char="•"/>
             </a:pPr>
             <a:r>
-              <a:rPr kumimoji="1" lang="ja-JP" altLang="en-US" dirty="0"/>
-              <a:t>渡辺は頻繁に</a:t>
-            </a:r>
-            <a:r>
-              <a:rPr kumimoji="1" lang="en-US" altLang="ja-JP" dirty="0"/>
-              <a:t>Slack</a:t>
-            </a:r>
-            <a:r>
-              <a:rPr kumimoji="1" lang="ja-JP" altLang="en-US" dirty="0"/>
-              <a:t>をチェックしますが、スマホに通知は飛ばない設定です</a:t>
-            </a:r>
-            <a:endParaRPr kumimoji="1" lang="en-US" altLang="ja-JP" dirty="0"/>
+              <a:rPr lang="ja-JP" altLang="en-US" sz="2400"/>
+              <a:t>デフォルト</a:t>
+            </a:r>
+            <a:r>
+              <a:rPr lang="ja-JP" altLang="en-US" sz="2400" dirty="0"/>
+              <a:t>ではメール通知が飛ぶ</a:t>
+            </a:r>
+            <a:endParaRPr lang="en-US" altLang="ja-JP" sz="2400" dirty="0"/>
           </a:p>
           <a:p>
             <a:pPr marL="285750" indent="-285750">
@@ -1657,18 +1658,10 @@
               <a:buChar char="•"/>
             </a:pPr>
             <a:r>
-              <a:rPr lang="ja-JP" altLang="en-US" dirty="0"/>
-              <a:t>自分の</a:t>
-            </a:r>
-            <a:r>
-              <a:rPr lang="en-US" altLang="ja-JP" dirty="0"/>
-              <a:t>z-</a:t>
-            </a:r>
-            <a:r>
-              <a:rPr lang="ja-JP" altLang="en-US" dirty="0"/>
-              <a:t>チャンネルに何か書いてもらえればメンション無しでもチェックします</a:t>
-            </a:r>
-            <a:endParaRPr lang="en-US" altLang="ja-JP" dirty="0"/>
+              <a:rPr lang="ja-JP" altLang="en-US" sz="2400" dirty="0"/>
+              <a:t>通知をどのように受け取るかは各自設定すること</a:t>
+            </a:r>
+            <a:endParaRPr lang="en-US" altLang="ja-JP" sz="2400" dirty="0"/>
           </a:p>
           <a:p>
             <a:pPr marL="285750" indent="-285750">
@@ -1676,117 +1669,50 @@
               <a:buChar char="•"/>
             </a:pPr>
             <a:r>
-              <a:rPr lang="en-US" altLang="ja-JP" dirty="0"/>
-              <a:t>※</a:t>
-            </a:r>
-            <a:r>
-              <a:rPr lang="ja-JP" altLang="en-US" dirty="0"/>
-              <a:t>即時反応を約束するものではありません</a:t>
-            </a:r>
-            <a:endParaRPr lang="en-US" altLang="ja-JP" dirty="0"/>
-          </a:p>
-        </p:txBody>
-      </p:sp>
-      <p:pic>
-        <p:nvPicPr>
-          <p:cNvPr id="1026" name="Picture 2" descr="コンビニエンスストアのイラスト">
-            <a:extLst>
-              <a:ext uri="{FF2B5EF4-FFF2-40B4-BE49-F238E27FC236}">
-                <a16:creationId xmlns:a16="http://schemas.microsoft.com/office/drawing/2014/main" id="{2446126F-C5DB-A24C-FC1F-F0D5580476FD}"/>
-              </a:ext>
-            </a:extLst>
-          </p:cNvPr>
-          <p:cNvPicPr>
-            <a:picLocks noChangeAspect="1" noChangeArrowheads="1"/>
-          </p:cNvPicPr>
-          <p:nvPr/>
-        </p:nvPicPr>
-        <p:blipFill>
-          <a:blip r:embed="rId2">
-            <a:extLst>
-              <a:ext uri="{28A0092B-C50C-407E-A947-70E740481C1C}">
-                <a14:useLocalDpi xmlns:a14="http://schemas.microsoft.com/office/drawing/2010/main" val="0"/>
-              </a:ext>
-            </a:extLst>
-          </a:blip>
-          <a:srcRect/>
-          <a:stretch>
-            <a:fillRect/>
-          </a:stretch>
-        </p:blipFill>
-        <p:spPr bwMode="auto">
-          <a:xfrm>
-            <a:off x="3347864" y="2852936"/>
-            <a:ext cx="2122165" cy="2294232"/>
-          </a:xfrm>
-          <a:prstGeom prst="rect">
-            <a:avLst/>
-          </a:prstGeom>
-          <a:noFill/>
-          <a:extLst>
-            <a:ext uri="{909E8E84-426E-40DD-AFC4-6F175D3DCCD1}">
-              <a14:hiddenFill xmlns:a14="http://schemas.microsoft.com/office/drawing/2010/main">
-                <a:solidFill>
-                  <a:srgbClr val="FFFFFF"/>
-                </a:solidFill>
-              </a14:hiddenFill>
-            </a:ext>
-          </a:extLst>
-        </p:spPr>
-      </p:pic>
-      <p:pic>
-        <p:nvPicPr>
-          <p:cNvPr id="1028" name="Picture 4" descr="「24時間営業」のイラスト文字">
-            <a:extLst>
-              <a:ext uri="{FF2B5EF4-FFF2-40B4-BE49-F238E27FC236}">
-                <a16:creationId xmlns:a16="http://schemas.microsoft.com/office/drawing/2014/main" id="{F1B14473-1F98-5C34-B86A-BA67D28DA4D6}"/>
-              </a:ext>
-            </a:extLst>
-          </p:cNvPr>
-          <p:cNvPicPr>
-            <a:picLocks noChangeAspect="1" noChangeArrowheads="1"/>
-          </p:cNvPicPr>
-          <p:nvPr/>
-        </p:nvPicPr>
-        <p:blipFill>
-          <a:blip r:embed="rId3" cstate="print">
-            <a:extLst>
-              <a:ext uri="{28A0092B-C50C-407E-A947-70E740481C1C}">
-                <a14:useLocalDpi xmlns:a14="http://schemas.microsoft.com/office/drawing/2010/main" val="0"/>
-              </a:ext>
-            </a:extLst>
-          </a:blip>
-          <a:srcRect/>
-          <a:stretch>
-            <a:fillRect/>
-          </a:stretch>
-        </p:blipFill>
-        <p:spPr bwMode="auto">
-          <a:xfrm>
-            <a:off x="3635896" y="4437112"/>
-            <a:ext cx="587207" cy="449213"/>
-          </a:xfrm>
-          <a:prstGeom prst="rect">
-            <a:avLst/>
-          </a:prstGeom>
-          <a:noFill/>
-          <a:extLst>
-            <a:ext uri="{909E8E84-426E-40DD-AFC4-6F175D3DCCD1}">
-              <a14:hiddenFill xmlns:a14="http://schemas.microsoft.com/office/drawing/2010/main">
-                <a:solidFill>
-                  <a:srgbClr val="FFFFFF"/>
-                </a:solidFill>
-              </a14:hiddenFill>
-            </a:ext>
-          </a:extLst>
-        </p:spPr>
-      </p:pic>
+              <a:rPr lang="ja-JP" altLang="en-US" sz="2400" dirty="0"/>
+              <a:t>多人数に届くメンションは原則として使わない</a:t>
+            </a:r>
+            <a:endParaRPr lang="en-US" altLang="ja-JP" sz="2400" dirty="0"/>
+          </a:p>
+          <a:p>
+            <a:pPr marL="742950" lvl="1" indent="-285750">
+              <a:buFont typeface="Arial" panose="020B0604020202020204" pitchFamily="34" charset="0"/>
+              <a:buChar char="•"/>
+            </a:pPr>
+            <a:r>
+              <a:rPr lang="ja-JP" altLang="en-US" sz="2400" dirty="0"/>
+              <a:t>チャンネル参加者全員に届く「</a:t>
+            </a:r>
+            <a:r>
+              <a:rPr lang="en-US" altLang="ja-JP" sz="2400" dirty="0"/>
+              <a:t>@channel</a:t>
+            </a:r>
+            <a:r>
+              <a:rPr lang="ja-JP" altLang="en-US" sz="2400" dirty="0"/>
+              <a:t>」や、ワークスペース参加者</a:t>
+            </a:r>
+            <a:r>
+              <a:rPr lang="ja-JP" altLang="en-US" sz="2400"/>
+              <a:t>全員に届く「</a:t>
+            </a:r>
+            <a:r>
+              <a:rPr lang="en-US" altLang="ja-JP" sz="2400" dirty="0"/>
+              <a:t>@everyone</a:t>
+            </a:r>
+            <a:r>
+              <a:rPr lang="ja-JP" altLang="en-US" sz="2400" dirty="0"/>
+              <a:t>」など</a:t>
+            </a:r>
+            <a:endParaRPr lang="en-US" altLang="ja-JP" sz="2400" dirty="0"/>
+          </a:p>
+        </p:txBody>
+      </p:sp>
       <p:sp>
         <p:nvSpPr>
           <p:cNvPr id="5" name="テキスト ボックス 4">
             <a:extLst>
               <a:ext uri="{FF2B5EF4-FFF2-40B4-BE49-F238E27FC236}">
-                <a16:creationId xmlns:a16="http://schemas.microsoft.com/office/drawing/2014/main" id="{EF4F6E4B-65D5-EB89-44AD-EEFD8DD9D193}"/>
+                <a16:creationId xmlns:a16="http://schemas.microsoft.com/office/drawing/2014/main" id="{D4B12A72-FEEF-C338-42B9-FC0A22EBE89B}"/>
               </a:ext>
             </a:extLst>
           </p:cNvPr>
@@ -1795,36 +1721,55 @@
         </p:nvSpPr>
         <p:spPr>
           <a:xfrm>
-            <a:off x="755576" y="2060848"/>
-            <a:ext cx="7571303" cy="461665"/>
-          </a:xfrm>
-          <a:prstGeom prst="rect">
-            <a:avLst/>
-          </a:prstGeom>
-          <a:noFill/>
-        </p:spPr>
-        <p:txBody>
-          <a:bodyPr wrap="none" rtlCol="0">
+            <a:off x="306755" y="5589240"/>
+            <a:ext cx="8026434" cy="923330"/>
+          </a:xfrm>
+          <a:prstGeom prst="rect">
+            <a:avLst/>
+          </a:prstGeom>
+          <a:noFill/>
+        </p:spPr>
+        <p:txBody>
+          <a:bodyPr wrap="square" rtlCol="0">
             <a:spAutoFit/>
           </a:bodyPr>
           <a:lstStyle/>
           <a:p>
             <a:r>
-              <a:rPr kumimoji="1" lang="ja-JP" altLang="en-US" sz="2400" dirty="0"/>
-              <a:t>深夜、早朝、休日、年末、年始、いつ連絡しても</a:t>
-            </a:r>
-            <a:r>
-              <a:rPr kumimoji="1" lang="en-US" altLang="ja-JP" sz="2400" dirty="0"/>
-              <a:t>OK</a:t>
-            </a:r>
-            <a:endParaRPr kumimoji="1" lang="ja-JP" altLang="en-US" sz="2400" dirty="0"/>
+              <a:rPr kumimoji="1" lang="ja-JP" altLang="en-US"/>
+              <a:t>特に</a:t>
+            </a:r>
+            <a:r>
+              <a:rPr kumimoji="1" lang="en-US" altLang="ja-JP" dirty="0"/>
+              <a:t>@channel</a:t>
+            </a:r>
+            <a:r>
+              <a:rPr kumimoji="1" lang="ja-JP" altLang="en-US"/>
+              <a:t>は、新メンバーなど、参加者がまだ</a:t>
+            </a:r>
+            <a:r>
+              <a:rPr kumimoji="1" lang="en-US" altLang="ja-JP" dirty="0"/>
+              <a:t>Slack</a:t>
+            </a:r>
+            <a:r>
+              <a:rPr kumimoji="1" lang="ja-JP" altLang="en-US"/>
+              <a:t>に慣れていない時に渡辺が少し使いますが、しばらくしたら</a:t>
+            </a:r>
+            <a:r>
+              <a:rPr kumimoji="1" lang="en-US" altLang="ja-JP" dirty="0"/>
+              <a:t>Slack</a:t>
+            </a:r>
+            <a:r>
+              <a:rPr kumimoji="1" lang="ja-JP" altLang="en-US"/>
+              <a:t>を見ていることを前提として、メンションを飛ばさなくなります。</a:t>
+            </a:r>
           </a:p>
         </p:txBody>
       </p:sp>
     </p:spTree>
     <p:extLst>
       <p:ext uri="{BB962C8B-B14F-4D97-AF65-F5344CB8AC3E}">
-        <p14:creationId xmlns:p14="http://schemas.microsoft.com/office/powerpoint/2010/main" val="3570777936"/>
+        <p14:creationId xmlns:p14="http://schemas.microsoft.com/office/powerpoint/2010/main" val="1391593027"/>
       </p:ext>
     </p:extLst>
   </p:cSld>
@@ -1856,6 +1801,336 @@
           <p:cNvPr id="2" name="テキスト プレースホルダー 1">
             <a:extLst>
               <a:ext uri="{FF2B5EF4-FFF2-40B4-BE49-F238E27FC236}">
+                <a16:creationId xmlns:a16="http://schemas.microsoft.com/office/drawing/2014/main" id="{4CCEB916-DA3D-6DB6-D276-D484F1EAB84C}"/>
+              </a:ext>
+            </a:extLst>
+          </p:cNvPr>
+          <p:cNvSpPr>
+            <a:spLocks noGrp="1"/>
+          </p:cNvSpPr>
+          <p:nvPr>
+            <p:ph type="body" sz="quarter" idx="10"/>
+          </p:nvPr>
+        </p:nvSpPr>
+        <p:spPr/>
+        <p:txBody>
+          <a:bodyPr/>
+          <a:lstStyle/>
+          <a:p>
+            <a:r>
+              <a:rPr kumimoji="1" lang="ja-JP" altLang="en-US" dirty="0"/>
+              <a:t>渡辺への連絡について</a:t>
+            </a:r>
+          </a:p>
+        </p:txBody>
+      </p:sp>
+      <p:sp>
+        <p:nvSpPr>
+          <p:cNvPr id="3" name="テキスト ボックス 2">
+            <a:extLst>
+              <a:ext uri="{FF2B5EF4-FFF2-40B4-BE49-F238E27FC236}">
+                <a16:creationId xmlns:a16="http://schemas.microsoft.com/office/drawing/2014/main" id="{10095FB1-D083-26C1-7127-E9D42F76B232}"/>
+              </a:ext>
+            </a:extLst>
+          </p:cNvPr>
+          <p:cNvSpPr txBox="1"/>
+          <p:nvPr/>
+        </p:nvSpPr>
+        <p:spPr>
+          <a:xfrm>
+            <a:off x="1115616" y="1340768"/>
+            <a:ext cx="6806672" cy="523220"/>
+          </a:xfrm>
+          <a:prstGeom prst="rect">
+            <a:avLst/>
+          </a:prstGeom>
+          <a:noFill/>
+        </p:spPr>
+        <p:txBody>
+          <a:bodyPr wrap="none" rtlCol="0">
+            <a:spAutoFit/>
+          </a:bodyPr>
+          <a:lstStyle/>
+          <a:p>
+            <a:r>
+              <a:rPr lang="ja-JP" altLang="en-US" sz="2800" dirty="0"/>
+              <a:t>渡辺へのメンションや連絡は</a:t>
+            </a:r>
+            <a:r>
+              <a:rPr lang="ja-JP" altLang="en-US" sz="2800" dirty="0">
+                <a:solidFill>
+                  <a:srgbClr val="FF0000"/>
+                </a:solidFill>
+              </a:rPr>
+              <a:t>いつでも</a:t>
+            </a:r>
+            <a:r>
+              <a:rPr lang="en-US" altLang="ja-JP" sz="2800" dirty="0">
+                <a:solidFill>
+                  <a:srgbClr val="FF0000"/>
+                </a:solidFill>
+              </a:rPr>
+              <a:t>OK</a:t>
+            </a:r>
+            <a:endParaRPr kumimoji="1" lang="ja-JP" altLang="en-US" sz="2800" dirty="0">
+              <a:solidFill>
+                <a:srgbClr val="FF0000"/>
+              </a:solidFill>
+            </a:endParaRPr>
+          </a:p>
+        </p:txBody>
+      </p:sp>
+      <p:sp>
+        <p:nvSpPr>
+          <p:cNvPr id="4" name="テキスト ボックス 3">
+            <a:extLst>
+              <a:ext uri="{FF2B5EF4-FFF2-40B4-BE49-F238E27FC236}">
+                <a16:creationId xmlns:a16="http://schemas.microsoft.com/office/drawing/2014/main" id="{8C24115C-2E92-5DCB-7BD2-7B94478E1D83}"/>
+              </a:ext>
+            </a:extLst>
+          </p:cNvPr>
+          <p:cNvSpPr txBox="1"/>
+          <p:nvPr/>
+        </p:nvSpPr>
+        <p:spPr>
+          <a:xfrm>
+            <a:off x="179512" y="5373216"/>
+            <a:ext cx="8744702" cy="923330"/>
+          </a:xfrm>
+          <a:prstGeom prst="rect">
+            <a:avLst/>
+          </a:prstGeom>
+          <a:noFill/>
+        </p:spPr>
+        <p:txBody>
+          <a:bodyPr wrap="none" rtlCol="0">
+            <a:spAutoFit/>
+          </a:bodyPr>
+          <a:lstStyle/>
+          <a:p>
+            <a:pPr marL="285750" indent="-285750">
+              <a:buFont typeface="Arial" panose="020B0604020202020204" pitchFamily="34" charset="0"/>
+              <a:buChar char="•"/>
+            </a:pPr>
+            <a:r>
+              <a:rPr kumimoji="1" lang="ja-JP" altLang="en-US" dirty="0"/>
+              <a:t>渡辺は頻繁に</a:t>
+            </a:r>
+            <a:r>
+              <a:rPr kumimoji="1" lang="en-US" altLang="ja-JP" dirty="0"/>
+              <a:t>Slack</a:t>
+            </a:r>
+            <a:r>
+              <a:rPr kumimoji="1" lang="ja-JP" altLang="en-US" dirty="0"/>
+              <a:t>をチェックしますが、スマホに通知は飛ばない設定です</a:t>
+            </a:r>
+            <a:endParaRPr kumimoji="1" lang="en-US" altLang="ja-JP" dirty="0"/>
+          </a:p>
+          <a:p>
+            <a:pPr marL="285750" indent="-285750">
+              <a:buFont typeface="Arial" panose="020B0604020202020204" pitchFamily="34" charset="0"/>
+              <a:buChar char="•"/>
+            </a:pPr>
+            <a:r>
+              <a:rPr lang="ja-JP" altLang="en-US" dirty="0"/>
+              <a:t>自分の</a:t>
+            </a:r>
+            <a:r>
+              <a:rPr lang="en-US" altLang="ja-JP" dirty="0"/>
+              <a:t>z-</a:t>
+            </a:r>
+            <a:r>
+              <a:rPr lang="ja-JP" altLang="en-US" dirty="0"/>
+              <a:t>チャンネルに何か書いてもらえればメンション無しでもチェックします</a:t>
+            </a:r>
+            <a:endParaRPr lang="en-US" altLang="ja-JP" dirty="0"/>
+          </a:p>
+          <a:p>
+            <a:pPr marL="285750" indent="-285750">
+              <a:buFont typeface="Arial" panose="020B0604020202020204" pitchFamily="34" charset="0"/>
+              <a:buChar char="•"/>
+            </a:pPr>
+            <a:r>
+              <a:rPr lang="en-US" altLang="ja-JP" dirty="0"/>
+              <a:t>※</a:t>
+            </a:r>
+            <a:r>
+              <a:rPr lang="ja-JP" altLang="en-US" dirty="0"/>
+              <a:t>即時反応を約束するものではありません</a:t>
+            </a:r>
+            <a:endParaRPr lang="en-US" altLang="ja-JP" dirty="0"/>
+          </a:p>
+        </p:txBody>
+      </p:sp>
+      <p:pic>
+        <p:nvPicPr>
+          <p:cNvPr id="1026" name="Picture 2" descr="コンビニエンスストアのイラスト">
+            <a:extLst>
+              <a:ext uri="{FF2B5EF4-FFF2-40B4-BE49-F238E27FC236}">
+                <a16:creationId xmlns:a16="http://schemas.microsoft.com/office/drawing/2014/main" id="{2446126F-C5DB-A24C-FC1F-F0D5580476FD}"/>
+              </a:ext>
+            </a:extLst>
+          </p:cNvPr>
+          <p:cNvPicPr>
+            <a:picLocks noChangeAspect="1" noChangeArrowheads="1"/>
+          </p:cNvPicPr>
+          <p:nvPr/>
+        </p:nvPicPr>
+        <p:blipFill>
+          <a:blip r:embed="rId2">
+            <a:extLst>
+              <a:ext uri="{28A0092B-C50C-407E-A947-70E740481C1C}">
+                <a14:useLocalDpi xmlns:a14="http://schemas.microsoft.com/office/drawing/2010/main" val="0"/>
+              </a:ext>
+            </a:extLst>
+          </a:blip>
+          <a:srcRect/>
+          <a:stretch>
+            <a:fillRect/>
+          </a:stretch>
+        </p:blipFill>
+        <p:spPr bwMode="auto">
+          <a:xfrm>
+            <a:off x="3347864" y="2852936"/>
+            <a:ext cx="2122165" cy="2294232"/>
+          </a:xfrm>
+          <a:prstGeom prst="rect">
+            <a:avLst/>
+          </a:prstGeom>
+          <a:noFill/>
+          <a:extLst>
+            <a:ext uri="{909E8E84-426E-40DD-AFC4-6F175D3DCCD1}">
+              <a14:hiddenFill xmlns:a14="http://schemas.microsoft.com/office/drawing/2010/main">
+                <a:solidFill>
+                  <a:srgbClr val="FFFFFF"/>
+                </a:solidFill>
+              </a14:hiddenFill>
+            </a:ext>
+          </a:extLst>
+        </p:spPr>
+      </p:pic>
+      <p:pic>
+        <p:nvPicPr>
+          <p:cNvPr id="1028" name="Picture 4" descr="「24時間営業」のイラスト文字">
+            <a:extLst>
+              <a:ext uri="{FF2B5EF4-FFF2-40B4-BE49-F238E27FC236}">
+                <a16:creationId xmlns:a16="http://schemas.microsoft.com/office/drawing/2014/main" id="{F1B14473-1F98-5C34-B86A-BA67D28DA4D6}"/>
+              </a:ext>
+            </a:extLst>
+          </p:cNvPr>
+          <p:cNvPicPr>
+            <a:picLocks noChangeAspect="1" noChangeArrowheads="1"/>
+          </p:cNvPicPr>
+          <p:nvPr/>
+        </p:nvPicPr>
+        <p:blipFill>
+          <a:blip r:embed="rId3" cstate="print">
+            <a:extLst>
+              <a:ext uri="{28A0092B-C50C-407E-A947-70E740481C1C}">
+                <a14:useLocalDpi xmlns:a14="http://schemas.microsoft.com/office/drawing/2010/main" val="0"/>
+              </a:ext>
+            </a:extLst>
+          </a:blip>
+          <a:srcRect/>
+          <a:stretch>
+            <a:fillRect/>
+          </a:stretch>
+        </p:blipFill>
+        <p:spPr bwMode="auto">
+          <a:xfrm>
+            <a:off x="3635896" y="4437112"/>
+            <a:ext cx="587207" cy="449213"/>
+          </a:xfrm>
+          <a:prstGeom prst="rect">
+            <a:avLst/>
+          </a:prstGeom>
+          <a:noFill/>
+          <a:extLst>
+            <a:ext uri="{909E8E84-426E-40DD-AFC4-6F175D3DCCD1}">
+              <a14:hiddenFill xmlns:a14="http://schemas.microsoft.com/office/drawing/2010/main">
+                <a:solidFill>
+                  <a:srgbClr val="FFFFFF"/>
+                </a:solidFill>
+              </a14:hiddenFill>
+            </a:ext>
+          </a:extLst>
+        </p:spPr>
+      </p:pic>
+      <p:sp>
+        <p:nvSpPr>
+          <p:cNvPr id="5" name="テキスト ボックス 4">
+            <a:extLst>
+              <a:ext uri="{FF2B5EF4-FFF2-40B4-BE49-F238E27FC236}">
+                <a16:creationId xmlns:a16="http://schemas.microsoft.com/office/drawing/2014/main" id="{EF4F6E4B-65D5-EB89-44AD-EEFD8DD9D193}"/>
+              </a:ext>
+            </a:extLst>
+          </p:cNvPr>
+          <p:cNvSpPr txBox="1"/>
+          <p:nvPr/>
+        </p:nvSpPr>
+        <p:spPr>
+          <a:xfrm>
+            <a:off x="755576" y="2060848"/>
+            <a:ext cx="7571303" cy="461665"/>
+          </a:xfrm>
+          <a:prstGeom prst="rect">
+            <a:avLst/>
+          </a:prstGeom>
+          <a:noFill/>
+        </p:spPr>
+        <p:txBody>
+          <a:bodyPr wrap="none" rtlCol="0">
+            <a:spAutoFit/>
+          </a:bodyPr>
+          <a:lstStyle/>
+          <a:p>
+            <a:r>
+              <a:rPr kumimoji="1" lang="ja-JP" altLang="en-US" sz="2400" dirty="0"/>
+              <a:t>深夜、早朝、休日、年末、年始、いつ連絡しても</a:t>
+            </a:r>
+            <a:r>
+              <a:rPr kumimoji="1" lang="en-US" altLang="ja-JP" sz="2400" dirty="0"/>
+              <a:t>OK</a:t>
+            </a:r>
+            <a:endParaRPr kumimoji="1" lang="ja-JP" altLang="en-US" sz="2400" dirty="0"/>
+          </a:p>
+        </p:txBody>
+      </p:sp>
+    </p:spTree>
+    <p:extLst>
+      <p:ext uri="{BB962C8B-B14F-4D97-AF65-F5344CB8AC3E}">
+        <p14:creationId xmlns:p14="http://schemas.microsoft.com/office/powerpoint/2010/main" val="3570777936"/>
+      </p:ext>
+    </p:extLst>
+  </p:cSld>
+  <p:clrMapOvr>
+    <a:masterClrMapping/>
+  </p:clrMapOvr>
+</p:sld>
+</file>
+
+<file path=ppt/slides/slide12.xml><?xml version="1.0" encoding="utf-8"?>
+<p:sld xmlns:a="http://schemas.openxmlformats.org/drawingml/2006/main" xmlns:r="http://schemas.openxmlformats.org/officeDocument/2006/relationships" xmlns:p="http://schemas.openxmlformats.org/presentationml/2006/main">
+  <p:cSld>
+    <p:spTree>
+      <p:nvGrpSpPr>
+        <p:cNvPr id="1" name=""/>
+        <p:cNvGrpSpPr/>
+        <p:nvPr/>
+      </p:nvGrpSpPr>
+      <p:grpSpPr>
+        <a:xfrm>
+          <a:off x="0" y="0"/>
+          <a:ext cx="0" cy="0"/>
+          <a:chOff x="0" y="0"/>
+          <a:chExt cx="0" cy="0"/>
+        </a:xfrm>
+      </p:grpSpPr>
+      <p:sp>
+        <p:nvSpPr>
+          <p:cNvPr id="2" name="テキスト プレースホルダー 1">
+            <a:extLst>
+              <a:ext uri="{FF2B5EF4-FFF2-40B4-BE49-F238E27FC236}">
                 <a16:creationId xmlns:a16="http://schemas.microsoft.com/office/drawing/2014/main" id="{C0C18D00-3D5B-AB10-14E2-1E360A2E380E}"/>
               </a:ext>
             </a:extLst>
@@ -2378,15 +2653,15 @@
         <p:spPr>
           <a:xfrm>
             <a:off x="1331640" y="5478036"/>
-            <a:ext cx="6981398" cy="646331"/>
-          </a:xfrm>
-          <a:prstGeom prst="rect">
-            <a:avLst/>
-          </a:prstGeom>
-          <a:noFill/>
-        </p:spPr>
-        <p:txBody>
-          <a:bodyPr wrap="none" rtlCol="0">
+            <a:ext cx="6878806" cy="646331"/>
+          </a:xfrm>
+          <a:prstGeom prst="rect">
+            <a:avLst/>
+          </a:prstGeom>
+          <a:noFill/>
+        </p:spPr>
+        <p:txBody>
+          <a:bodyPr wrap="square" rtlCol="0">
             <a:spAutoFit/>
           </a:bodyPr>
           <a:lstStyle/>
@@ -2401,14 +2676,15 @@
             </a:r>
             <a:r>
               <a:rPr lang="ja-JP" altLang="en-US" dirty="0"/>
-              <a:t>つけてください」的に</a:t>
-            </a:r>
-            <a:endParaRPr lang="en-US" altLang="ja-JP" dirty="0"/>
-          </a:p>
-          <a:p>
+              <a:t>つけてください</a:t>
+            </a:r>
+            <a:r>
+              <a:rPr lang="ja-JP" altLang="en-US"/>
+              <a:t>」的な、作業完了チェックに使う</a:t>
+            </a:r>
             <a:r>
               <a:rPr lang="ja-JP" altLang="en-US" dirty="0"/>
-              <a:t>使うことが多い。</a:t>
+              <a:t>ことが多い。</a:t>
             </a:r>
             <a:endParaRPr kumimoji="1" lang="ja-JP" altLang="en-US" dirty="0"/>
           </a:p>
@@ -2457,7 +2733,7 @@
 </p:sld>
 </file>
 
-<file path=ppt/slides/slide12.xml><?xml version="1.0" encoding="utf-8"?>
+<file path=ppt/slides/slide13.xml><?xml version="1.0" encoding="utf-8"?>
 <p:sld xmlns:a="http://schemas.openxmlformats.org/drawingml/2006/main" xmlns:r="http://schemas.openxmlformats.org/officeDocument/2006/relationships" xmlns:p="http://schemas.openxmlformats.org/presentationml/2006/main">
   <p:cSld>
     <p:spTree>
@@ -3461,7 +3737,11 @@
           <a:p>
             <a:r>
               <a:rPr lang="ja-JP" altLang="en-US" sz="2000" dirty="0"/>
-              <a:t>全体的なアナウンス用チャンネル。主に渡辺がミーティングの案内や締め切りの連絡に使う。</a:t>
+              <a:t>全体的なアナウンス用チャンネル。主に渡辺がミーティング</a:t>
+            </a:r>
+            <a:r>
+              <a:rPr lang="ja-JP" altLang="en-US" sz="2000"/>
+              <a:t>の案内などに使う</a:t>
             </a:r>
             <a:endParaRPr kumimoji="1" lang="ja-JP" altLang="en-US" sz="2000" dirty="0"/>
           </a:p>
@@ -4892,15 +5172,23 @@
           <a:p>
             <a:r>
               <a:rPr kumimoji="1" lang="ja-JP" altLang="en-US" sz="2400" dirty="0"/>
-              <a:t>参加するのは、原則としてその学生と渡辺の二名だが、</a:t>
-            </a:r>
-            <a:r>
-              <a:rPr kumimoji="1" lang="ja-JP" altLang="en-US" sz="2400" dirty="0">
+              <a:t>参加するのは、原則としてその学生と渡辺</a:t>
+            </a:r>
+            <a:r>
+              <a:rPr kumimoji="1" lang="ja-JP" altLang="en-US" sz="2400"/>
+              <a:t>の</a:t>
+            </a:r>
+            <a:r>
+              <a:rPr lang="ja-JP" altLang="en-US" sz="2400"/>
+              <a:t>二名。論文や発表スライドの添削もここで行う。</a:t>
+            </a:r>
+            <a:r>
+              <a:rPr lang="ja-JP" altLang="en-US" sz="2400">
                 <a:solidFill>
                   <a:srgbClr val="FF0000"/>
                 </a:solidFill>
               </a:rPr>
-              <a:t>他の学生が他人の</a:t>
+              <a:t>他の学生の</a:t>
             </a:r>
             <a:r>
               <a:rPr kumimoji="1" lang="en-US" altLang="ja-JP" sz="2400" dirty="0">
@@ -4916,19 +5204,19 @@
                   <a:srgbClr val="FF0000"/>
                 </a:solidFill>
               </a:rPr>
-              <a:t>チャンネルを覗いて良い</a:t>
-            </a:r>
-            <a:r>
-              <a:rPr kumimoji="1" lang="ja-JP" altLang="en-US" sz="2400" dirty="0"/>
-              <a:t>。論文や発表</a:t>
-            </a:r>
-            <a:r>
-              <a:rPr lang="ja-JP" altLang="en-US" sz="2400" dirty="0"/>
-              <a:t>スライド</a:t>
-            </a:r>
-            <a:r>
-              <a:rPr kumimoji="1" lang="ja-JP" altLang="en-US" sz="2400" dirty="0"/>
-              <a:t>の添削もここで行う。</a:t>
+              <a:t>チャンネルを</a:t>
+            </a:r>
+            <a:r>
+              <a:rPr kumimoji="1" lang="ja-JP" altLang="en-US" sz="2400">
+                <a:solidFill>
+                  <a:srgbClr val="FF0000"/>
+                </a:solidFill>
+              </a:rPr>
+              <a:t>覗いて良い</a:t>
+            </a:r>
+            <a:r>
+              <a:rPr kumimoji="1" lang="ja-JP" altLang="en-US" sz="2400"/>
+              <a:t>。</a:t>
             </a:r>
             <a:endParaRPr kumimoji="1" lang="en-US" altLang="ja-JP" sz="2400" dirty="0"/>
           </a:p>
@@ -5042,8 +5330,8 @@
         </p:nvSpPr>
         <p:spPr>
           <a:xfrm>
-            <a:off x="323528" y="5589240"/>
-            <a:ext cx="7109639" cy="923330"/>
+            <a:off x="323528" y="5894295"/>
+            <a:ext cx="7167347" cy="646331"/>
           </a:xfrm>
           <a:prstGeom prst="rect">
             <a:avLst/>
@@ -5073,26 +5361,11 @@
             </a:pPr>
             <a:r>
               <a:rPr lang="ja-JP" altLang="en-US" dirty="0"/>
-              <a:t>やりとりは原則として公開</a:t>
-            </a:r>
-            <a:endParaRPr lang="en-US" altLang="ja-JP" dirty="0"/>
-          </a:p>
-          <a:p>
-            <a:pPr marL="285750" indent="-285750">
-              <a:buFont typeface="Arial" panose="020B0604020202020204" pitchFamily="34" charset="0"/>
-              <a:buChar char="•"/>
-            </a:pPr>
-            <a:r>
-              <a:rPr lang="ja-JP" altLang="en-US" dirty="0"/>
-              <a:t>先輩の</a:t>
-            </a:r>
-            <a:r>
-              <a:rPr lang="en-US" altLang="ja-JP" dirty="0"/>
-              <a:t>z-</a:t>
-            </a:r>
-            <a:r>
-              <a:rPr lang="ja-JP" altLang="en-US" dirty="0"/>
-              <a:t>チャンネルは参考になるかも</a:t>
+              <a:t>やりとりは原則と</a:t>
+            </a:r>
+            <a:r>
+              <a:rPr lang="ja-JP" altLang="en-US"/>
+              <a:t>して公開</a:t>
             </a:r>
             <a:endParaRPr lang="en-US" altLang="ja-JP" dirty="0"/>
           </a:p>
@@ -5133,7 +5406,7 @@
           <p:cNvPr id="2" name="テキスト プレースホルダー 1">
             <a:extLst>
               <a:ext uri="{FF2B5EF4-FFF2-40B4-BE49-F238E27FC236}">
-                <a16:creationId xmlns:a16="http://schemas.microsoft.com/office/drawing/2014/main" id="{3E99EFB4-4483-C085-4D20-1E1EA2DFBDD3}"/>
+                <a16:creationId xmlns:a16="http://schemas.microsoft.com/office/drawing/2014/main" id="{A838CBB4-C51A-27A8-471E-D829F24908E3}"/>
               </a:ext>
             </a:extLst>
           </p:cNvPr>
@@ -5150,18 +5423,22 @@
           <a:lstStyle/>
           <a:p>
             <a:r>
-              <a:rPr kumimoji="1" lang="ja-JP" altLang="en-US" dirty="0"/>
-              <a:t>メンションについて</a:t>
-            </a:r>
-          </a:p>
-        </p:txBody>
-      </p:sp>
-      <p:sp>
-        <p:nvSpPr>
-          <p:cNvPr id="4" name="テキスト ボックス 3">
-            <a:extLst>
-              <a:ext uri="{FF2B5EF4-FFF2-40B4-BE49-F238E27FC236}">
-                <a16:creationId xmlns:a16="http://schemas.microsoft.com/office/drawing/2014/main" id="{30B03C6A-AA13-6645-CBE4-5C53D0184825}"/>
+              <a:rPr lang="en-US" altLang="ja-JP" dirty="0"/>
+              <a:t>#z-</a:t>
+            </a:r>
+            <a:r>
+              <a:rPr lang="ja-JP" altLang="en-US"/>
+              <a:t>チャンネル</a:t>
+            </a:r>
+          </a:p>
+        </p:txBody>
+      </p:sp>
+      <p:sp>
+        <p:nvSpPr>
+          <p:cNvPr id="5" name="テキスト ボックス 4">
+            <a:extLst>
+              <a:ext uri="{FF2B5EF4-FFF2-40B4-BE49-F238E27FC236}">
+                <a16:creationId xmlns:a16="http://schemas.microsoft.com/office/drawing/2014/main" id="{AE5A081E-394C-6DA0-D5E2-2E504A7BD3AA}"/>
               </a:ext>
             </a:extLst>
           </p:cNvPr>
@@ -5170,8 +5447,8 @@
         </p:nvSpPr>
         <p:spPr>
           <a:xfrm>
-            <a:off x="395536" y="1268760"/>
-            <a:ext cx="7848872" cy="1224136"/>
+            <a:off x="557554" y="1461486"/>
+            <a:ext cx="8028892" cy="830997"/>
           </a:xfrm>
           <a:prstGeom prst="rect">
             <a:avLst/>
@@ -5185,43 +5462,35 @@
           <a:lstStyle/>
           <a:p>
             <a:r>
-              <a:rPr lang="ja-JP" altLang="en-US" sz="2400">
-                <a:solidFill>
-                  <a:srgbClr val="00B0F0"/>
-                </a:solidFill>
-              </a:rPr>
-              <a:t>＠渡辺宙志</a:t>
+              <a:rPr kumimoji="1" lang="ja-JP" altLang="en-US" sz="2400"/>
+              <a:t>原則として</a:t>
+            </a:r>
+            <a:r>
+              <a:rPr kumimoji="1" lang="en-US" altLang="ja-JP" sz="2400" dirty="0"/>
+              <a:t>1on1</a:t>
             </a:r>
             <a:r>
               <a:rPr lang="ja-JP" altLang="en-US" sz="2400"/>
-              <a:t>のように</a:t>
-            </a:r>
-            <a:r>
-              <a:rPr lang="ja-JP" altLang="en-US" sz="2400" dirty="0"/>
-              <a:t>、アカウントにアットマーク「</a:t>
+              <a:t>ミーティングが終わったら、ミーティングのサマリを</a:t>
             </a:r>
             <a:r>
               <a:rPr lang="en-US" altLang="ja-JP" sz="2400" dirty="0"/>
-              <a:t>@</a:t>
-            </a:r>
-            <a:r>
-              <a:rPr lang="ja-JP" altLang="en-US" sz="2400" dirty="0"/>
-              <a:t>」をつけると</a:t>
+              <a:t>z-</a:t>
             </a:r>
             <a:r>
               <a:rPr lang="ja-JP" altLang="en-US" sz="2400"/>
-              <a:t>メンションとなり、相手に通知が飛ぶ。これを「メンションを飛ばす」と言う。</a:t>
-            </a:r>
-            <a:endParaRPr lang="en-US" altLang="ja-JP" sz="2400"/>
-          </a:p>
-        </p:txBody>
-      </p:sp>
-      <p:sp>
-        <p:nvSpPr>
-          <p:cNvPr id="10" name="テキスト ボックス 9">
-            <a:extLst>
-              <a:ext uri="{FF2B5EF4-FFF2-40B4-BE49-F238E27FC236}">
-                <a16:creationId xmlns:a16="http://schemas.microsoft.com/office/drawing/2014/main" id="{BB1E964E-C06C-52FD-24AF-2D7745251708}"/>
+              <a:t>に投げる。以下の内容を簡潔にまとめる</a:t>
+            </a:r>
+            <a:endParaRPr lang="en-US" altLang="ja-JP" sz="2400" dirty="0"/>
+          </a:p>
+        </p:txBody>
+      </p:sp>
+      <p:sp>
+        <p:nvSpPr>
+          <p:cNvPr id="6" name="テキスト ボックス 5">
+            <a:extLst>
+              <a:ext uri="{FF2B5EF4-FFF2-40B4-BE49-F238E27FC236}">
+                <a16:creationId xmlns:a16="http://schemas.microsoft.com/office/drawing/2014/main" id="{383E49E5-740D-05BB-2F9F-33C373C5241F}"/>
               </a:ext>
             </a:extLst>
           </p:cNvPr>
@@ -5230,8 +5499,43 @@
         </p:nvSpPr>
         <p:spPr>
           <a:xfrm>
-            <a:off x="251520" y="3717032"/>
-            <a:ext cx="8208912" cy="2308324"/>
+            <a:off x="19941" y="938266"/>
+            <a:ext cx="3416320" cy="523220"/>
+          </a:xfrm>
+          <a:prstGeom prst="rect">
+            <a:avLst/>
+          </a:prstGeom>
+          <a:noFill/>
+        </p:spPr>
+        <p:txBody>
+          <a:bodyPr wrap="none" rtlCol="0">
+            <a:spAutoFit/>
+          </a:bodyPr>
+          <a:lstStyle/>
+          <a:p>
+            <a:r>
+              <a:rPr kumimoji="1" lang="ja-JP" altLang="en-US" sz="2800"/>
+              <a:t>ミーティングサマリ</a:t>
+            </a:r>
+          </a:p>
+        </p:txBody>
+      </p:sp>
+      <p:sp>
+        <p:nvSpPr>
+          <p:cNvPr id="7" name="テキスト ボックス 6">
+            <a:extLst>
+              <a:ext uri="{FF2B5EF4-FFF2-40B4-BE49-F238E27FC236}">
+                <a16:creationId xmlns:a16="http://schemas.microsoft.com/office/drawing/2014/main" id="{4D7F03B3-D272-DCD6-BD60-68D90BB358CB}"/>
+              </a:ext>
+            </a:extLst>
+          </p:cNvPr>
+          <p:cNvSpPr txBox="1"/>
+          <p:nvPr/>
+        </p:nvSpPr>
+        <p:spPr>
+          <a:xfrm>
+            <a:off x="881590" y="2396087"/>
+            <a:ext cx="6408712" cy="1200329"/>
           </a:xfrm>
           <a:prstGeom prst="rect">
             <a:avLst/>
@@ -5244,73 +5548,157 @@
           </a:bodyPr>
           <a:lstStyle/>
           <a:p>
-            <a:pPr marL="285750" indent="-285750">
+            <a:pPr marL="457200" indent="-457200">
               <a:buFont typeface="Arial" panose="020B0604020202020204" pitchFamily="34" charset="0"/>
               <a:buChar char="•"/>
             </a:pPr>
             <a:r>
-              <a:rPr lang="ja-JP" altLang="en-US" sz="2400" dirty="0"/>
-              <a:t>相手に確実に反応して欲しい時に使う</a:t>
+              <a:rPr lang="ja-JP" altLang="en-US" sz="2400"/>
+              <a:t>先週に何をしたか</a:t>
             </a:r>
             <a:endParaRPr lang="en-US" altLang="ja-JP" sz="2400" dirty="0"/>
           </a:p>
           <a:p>
-            <a:pPr marL="285750" indent="-285750">
+            <a:pPr marL="457200" indent="-457200">
               <a:buFont typeface="Arial" panose="020B0604020202020204" pitchFamily="34" charset="0"/>
               <a:buChar char="•"/>
             </a:pPr>
             <a:r>
-              <a:rPr lang="ja-JP" altLang="en-US" sz="2400" dirty="0"/>
-              <a:t>デフォルトではメール通知が飛ぶ</a:t>
+              <a:rPr lang="en-US" altLang="ja-JP" sz="2400" dirty="0"/>
+              <a:t>1on1</a:t>
+            </a:r>
+            <a:r>
+              <a:rPr lang="ja-JP" altLang="en-US" sz="2400"/>
+              <a:t>ミーティングで何が話し合われたか</a:t>
             </a:r>
             <a:endParaRPr lang="en-US" altLang="ja-JP" sz="2400" dirty="0"/>
           </a:p>
           <a:p>
-            <a:pPr marL="285750" indent="-285750">
+            <a:pPr marL="457200" indent="-457200">
               <a:buFont typeface="Arial" panose="020B0604020202020204" pitchFamily="34" charset="0"/>
               <a:buChar char="•"/>
             </a:pPr>
             <a:r>
-              <a:rPr lang="ja-JP" altLang="en-US" sz="2400" dirty="0"/>
-              <a:t>通知をどのように受け取るかは各自設定すること</a:t>
+              <a:rPr lang="ja-JP" altLang="en-US" sz="2400"/>
+              <a:t>次に何をすべきか</a:t>
             </a:r>
             <a:endParaRPr lang="en-US" altLang="ja-JP" sz="2400" dirty="0"/>
           </a:p>
-          <a:p>
-            <a:pPr marL="285750" indent="-285750">
-              <a:buFont typeface="Arial" panose="020B0604020202020204" pitchFamily="34" charset="0"/>
-              <a:buChar char="•"/>
-            </a:pPr>
-            <a:r>
-              <a:rPr lang="ja-JP" altLang="en-US" sz="2400" dirty="0"/>
-              <a:t>多人数に届くメンションは原則として使わない</a:t>
-            </a:r>
-            <a:endParaRPr lang="en-US" altLang="ja-JP" sz="2400" dirty="0"/>
-          </a:p>
-          <a:p>
-            <a:pPr marL="742950" lvl="1" indent="-285750">
-              <a:buFont typeface="Arial" panose="020B0604020202020204" pitchFamily="34" charset="0"/>
-              <a:buChar char="•"/>
-            </a:pPr>
-            <a:r>
-              <a:rPr lang="ja-JP" altLang="en-US" sz="2400" dirty="0"/>
-              <a:t>チャンネル参加者全員に届く「</a:t>
+        </p:txBody>
+      </p:sp>
+      <p:sp>
+        <p:nvSpPr>
+          <p:cNvPr id="9" name="テキスト ボックス 8">
+            <a:extLst>
+              <a:ext uri="{FF2B5EF4-FFF2-40B4-BE49-F238E27FC236}">
+                <a16:creationId xmlns:a16="http://schemas.microsoft.com/office/drawing/2014/main" id="{E3541D8E-7D2A-7710-9699-ACBDF465F12F}"/>
+              </a:ext>
+            </a:extLst>
+          </p:cNvPr>
+          <p:cNvSpPr txBox="1"/>
+          <p:nvPr/>
+        </p:nvSpPr>
+        <p:spPr>
+          <a:xfrm>
+            <a:off x="552359" y="3730897"/>
+            <a:ext cx="6881959" cy="461665"/>
+          </a:xfrm>
+          <a:prstGeom prst="rect">
+            <a:avLst/>
+          </a:prstGeom>
+          <a:noFill/>
+        </p:spPr>
+        <p:txBody>
+          <a:bodyPr wrap="square">
+            <a:spAutoFit/>
+          </a:bodyPr>
+          <a:lstStyle/>
+          <a:p>
+            <a:r>
+              <a:rPr lang="ja-JP" altLang="en-US" sz="2400"/>
+              <a:t>しばらくは渡辺が書いて、慣れたら学生が書く。</a:t>
+            </a:r>
+          </a:p>
+        </p:txBody>
+      </p:sp>
+      <p:sp>
+        <p:nvSpPr>
+          <p:cNvPr id="10" name="テキスト ボックス 9">
+            <a:extLst>
+              <a:ext uri="{FF2B5EF4-FFF2-40B4-BE49-F238E27FC236}">
+                <a16:creationId xmlns:a16="http://schemas.microsoft.com/office/drawing/2014/main" id="{7B24833B-1364-F6C5-B75A-7925BF9DD00C}"/>
+              </a:ext>
+            </a:extLst>
+          </p:cNvPr>
+          <p:cNvSpPr txBox="1"/>
+          <p:nvPr/>
+        </p:nvSpPr>
+        <p:spPr>
+          <a:xfrm>
+            <a:off x="107504" y="4434567"/>
+            <a:ext cx="3416320" cy="523220"/>
+          </a:xfrm>
+          <a:prstGeom prst="rect">
+            <a:avLst/>
+          </a:prstGeom>
+          <a:noFill/>
+        </p:spPr>
+        <p:txBody>
+          <a:bodyPr wrap="none" rtlCol="0">
+            <a:spAutoFit/>
+          </a:bodyPr>
+          <a:lstStyle/>
+          <a:p>
+            <a:r>
+              <a:rPr kumimoji="1" lang="ja-JP" altLang="en-US" sz="2800"/>
+              <a:t>スライド・文章添削</a:t>
+            </a:r>
+          </a:p>
+        </p:txBody>
+      </p:sp>
+      <p:sp>
+        <p:nvSpPr>
+          <p:cNvPr id="11" name="テキスト ボックス 10">
+            <a:extLst>
+              <a:ext uri="{FF2B5EF4-FFF2-40B4-BE49-F238E27FC236}">
+                <a16:creationId xmlns:a16="http://schemas.microsoft.com/office/drawing/2014/main" id="{71DB9BCD-C3E0-CD56-FC2C-618B76AE9EB7}"/>
+              </a:ext>
+            </a:extLst>
+          </p:cNvPr>
+          <p:cNvSpPr txBox="1"/>
+          <p:nvPr/>
+        </p:nvSpPr>
+        <p:spPr>
+          <a:xfrm>
+            <a:off x="575888" y="5030713"/>
+            <a:ext cx="8028892" cy="1569660"/>
+          </a:xfrm>
+          <a:prstGeom prst="rect">
+            <a:avLst/>
+          </a:prstGeom>
+          <a:noFill/>
+        </p:spPr>
+        <p:txBody>
+          <a:bodyPr wrap="square" rtlCol="0">
+            <a:spAutoFit/>
+          </a:bodyPr>
+          <a:lstStyle/>
+          <a:p>
+            <a:r>
+              <a:rPr kumimoji="1" lang="ja-JP" altLang="en-US" sz="2400"/>
+              <a:t>スライドや予稿、修論、卒論などの添削は</a:t>
+            </a:r>
+            <a:r>
+              <a:rPr lang="ja-JP" altLang="en-US" sz="2400"/>
+              <a:t>ここで行う。先輩たちの</a:t>
             </a:r>
             <a:r>
               <a:rPr lang="en-US" altLang="ja-JP" sz="2400" dirty="0"/>
-              <a:t>@channel</a:t>
-            </a:r>
-            <a:r>
-              <a:rPr lang="ja-JP" altLang="en-US" sz="2400" dirty="0"/>
-              <a:t>」や、ワークスペース参加者全員に「</a:t>
-            </a:r>
-            <a:r>
-              <a:rPr lang="en-US" altLang="ja-JP" sz="2400" dirty="0"/>
-              <a:t>@everyone</a:t>
-            </a:r>
-            <a:r>
-              <a:rPr lang="ja-JP" altLang="en-US" sz="2400" dirty="0"/>
-              <a:t>」など</a:t>
+              <a:t>z</a:t>
+            </a:r>
+            <a:r>
+              <a:rPr lang="ja-JP" altLang="en-US" sz="2400"/>
+              <a:t>チャンネルを見ると、いつまでに何を用意すべきか、渡辺からどんなコメントがされているかわかるのでおすすめ。</a:t>
             </a:r>
             <a:endParaRPr lang="en-US" altLang="ja-JP" sz="2400" dirty="0"/>
           </a:p>
@@ -5319,7 +5707,7 @@
     </p:spTree>
     <p:extLst>
       <p:ext uri="{BB962C8B-B14F-4D97-AF65-F5344CB8AC3E}">
-        <p14:creationId xmlns:p14="http://schemas.microsoft.com/office/powerpoint/2010/main" val="1391593027"/>
+        <p14:creationId xmlns:p14="http://schemas.microsoft.com/office/powerpoint/2010/main" val="4274606435"/>
       </p:ext>
     </p:extLst>
   </p:cSld>
